--- a/00_計画/計画書(タイピングゲーム).pptx
+++ b/00_計画/計画書(タイピングゲーム).pptx
@@ -181,45 +181,6 @@
     </pc:docChg>
   </pc:docChgLst>
   <pc:docChgLst>
-    <pc:chgData name="SEC 原田 志野" userId="S::sh-harada@cresco.co.jp::9793beb5-b098-4905-a0df-fbd877f0de89" providerId="AD" clId="Web-{6099317E-280E-44F2-AD11-E547B33C2277}"/>
-    <pc:docChg chg="modSld">
-      <pc:chgData name="SEC 原田 志野" userId="S::sh-harada@cresco.co.jp::9793beb5-b098-4905-a0df-fbd877f0de89" providerId="AD" clId="Web-{6099317E-280E-44F2-AD11-E547B33C2277}" dt="2020-06-15T00:24:21.786" v="86" actId="20577"/>
-      <pc:docMkLst>
-        <pc:docMk/>
-      </pc:docMkLst>
-      <pc:sldChg chg="modSp">
-        <pc:chgData name="SEC 原田 志野" userId="S::sh-harada@cresco.co.jp::9793beb5-b098-4905-a0df-fbd877f0de89" providerId="AD" clId="Web-{6099317E-280E-44F2-AD11-E547B33C2277}" dt="2020-06-15T00:24:21.786" v="85" actId="20577"/>
-        <pc:sldMkLst>
-          <pc:docMk/>
-          <pc:sldMk cId="1614804870" sldId="260"/>
-        </pc:sldMkLst>
-        <pc:spChg chg="mod">
-          <ac:chgData name="SEC 原田 志野" userId="S::sh-harada@cresco.co.jp::9793beb5-b098-4905-a0df-fbd877f0de89" providerId="AD" clId="Web-{6099317E-280E-44F2-AD11-E547B33C2277}" dt="2020-06-15T00:24:21.786" v="85" actId="20577"/>
-          <ac:spMkLst>
-            <pc:docMk/>
-            <pc:sldMk cId="1614804870" sldId="260"/>
-            <ac:spMk id="3" creationId="{53D0AF39-0528-5E46-B8D3-C10A95ABC65D}"/>
-          </ac:spMkLst>
-        </pc:spChg>
-      </pc:sldChg>
-      <pc:sldChg chg="modSp">
-        <pc:chgData name="SEC 原田 志野" userId="S::sh-harada@cresco.co.jp::9793beb5-b098-4905-a0df-fbd877f0de89" providerId="AD" clId="Web-{6099317E-280E-44F2-AD11-E547B33C2277}" dt="2020-06-15T00:23:40.770" v="27" actId="20577"/>
-        <pc:sldMkLst>
-          <pc:docMk/>
-          <pc:sldMk cId="1572367600" sldId="261"/>
-        </pc:sldMkLst>
-        <pc:spChg chg="mod">
-          <ac:chgData name="SEC 原田 志野" userId="S::sh-harada@cresco.co.jp::9793beb5-b098-4905-a0df-fbd877f0de89" providerId="AD" clId="Web-{6099317E-280E-44F2-AD11-E547B33C2277}" dt="2020-06-15T00:23:40.770" v="27" actId="20577"/>
-          <ac:spMkLst>
-            <pc:docMk/>
-            <pc:sldMk cId="1572367600" sldId="261"/>
-            <ac:spMk id="7" creationId="{A765BCDE-5B7A-5545-9929-FFCAA6FA83D8}"/>
-          </ac:spMkLst>
-        </pc:spChg>
-      </pc:sldChg>
-    </pc:docChg>
-  </pc:docChgLst>
-  <pc:docChgLst>
     <pc:chgData name="SEC 原田 志野" userId="S::sh-harada@cresco.co.jp::9793beb5-b098-4905-a0df-fbd877f0de89" providerId="AD" clId="Web-{09049554-23B1-4E87-AFAF-87316FEA9EA3}"/>
     <pc:docChg chg="modSld sldOrd">
       <pc:chgData name="SEC 原田 志野" userId="S::sh-harada@cresco.co.jp::9793beb5-b098-4905-a0df-fbd877f0de89" providerId="AD" clId="Web-{09049554-23B1-4E87-AFAF-87316FEA9EA3}" dt="2020-06-15T00:35:47.015" v="433" actId="20577"/>
@@ -314,6 +275,45 @@
             <pc:docMk/>
             <pc:sldMk cId="1990333101" sldId="262"/>
             <ac:spMk id="3" creationId="{E834E308-3297-634D-91FC-A5D1565F7781}"/>
+          </ac:spMkLst>
+        </pc:spChg>
+      </pc:sldChg>
+    </pc:docChg>
+  </pc:docChgLst>
+  <pc:docChgLst>
+    <pc:chgData name="SEC 原田 志野" userId="S::sh-harada@cresco.co.jp::9793beb5-b098-4905-a0df-fbd877f0de89" providerId="AD" clId="Web-{6099317E-280E-44F2-AD11-E547B33C2277}"/>
+    <pc:docChg chg="modSld">
+      <pc:chgData name="SEC 原田 志野" userId="S::sh-harada@cresco.co.jp::9793beb5-b098-4905-a0df-fbd877f0de89" providerId="AD" clId="Web-{6099317E-280E-44F2-AD11-E547B33C2277}" dt="2020-06-15T00:24:21.786" v="86" actId="20577"/>
+      <pc:docMkLst>
+        <pc:docMk/>
+      </pc:docMkLst>
+      <pc:sldChg chg="modSp">
+        <pc:chgData name="SEC 原田 志野" userId="S::sh-harada@cresco.co.jp::9793beb5-b098-4905-a0df-fbd877f0de89" providerId="AD" clId="Web-{6099317E-280E-44F2-AD11-E547B33C2277}" dt="2020-06-15T00:24:21.786" v="85" actId="20577"/>
+        <pc:sldMkLst>
+          <pc:docMk/>
+          <pc:sldMk cId="1614804870" sldId="260"/>
+        </pc:sldMkLst>
+        <pc:spChg chg="mod">
+          <ac:chgData name="SEC 原田 志野" userId="S::sh-harada@cresco.co.jp::9793beb5-b098-4905-a0df-fbd877f0de89" providerId="AD" clId="Web-{6099317E-280E-44F2-AD11-E547B33C2277}" dt="2020-06-15T00:24:21.786" v="85" actId="20577"/>
+          <ac:spMkLst>
+            <pc:docMk/>
+            <pc:sldMk cId="1614804870" sldId="260"/>
+            <ac:spMk id="3" creationId="{53D0AF39-0528-5E46-B8D3-C10A95ABC65D}"/>
+          </ac:spMkLst>
+        </pc:spChg>
+      </pc:sldChg>
+      <pc:sldChg chg="modSp">
+        <pc:chgData name="SEC 原田 志野" userId="S::sh-harada@cresco.co.jp::9793beb5-b098-4905-a0df-fbd877f0de89" providerId="AD" clId="Web-{6099317E-280E-44F2-AD11-E547B33C2277}" dt="2020-06-15T00:23:40.770" v="27" actId="20577"/>
+        <pc:sldMkLst>
+          <pc:docMk/>
+          <pc:sldMk cId="1572367600" sldId="261"/>
+        </pc:sldMkLst>
+        <pc:spChg chg="mod">
+          <ac:chgData name="SEC 原田 志野" userId="S::sh-harada@cresco.co.jp::9793beb5-b098-4905-a0df-fbd877f0de89" providerId="AD" clId="Web-{6099317E-280E-44F2-AD11-E547B33C2277}" dt="2020-06-15T00:23:40.770" v="27" actId="20577"/>
+          <ac:spMkLst>
+            <pc:docMk/>
+            <pc:sldMk cId="1572367600" sldId="261"/>
+            <ac:spMk id="7" creationId="{A765BCDE-5B7A-5545-9929-FFCAA6FA83D8}"/>
           </ac:spMkLst>
         </pc:spChg>
       </pc:sldChg>
@@ -500,45 +500,6 @@
     </pc:docChg>
   </pc:docChgLst>
   <pc:docChgLst>
-    <pc:chgData name="SEC 原田 志野" userId="S::sh-harada@cresco.co.jp::9793beb5-b098-4905-a0df-fbd877f0de89" providerId="AD" clId="Web-{82512F0A-FF76-461A-9394-CB63C7299E4D}"/>
-    <pc:docChg chg="modSld">
-      <pc:chgData name="SEC 原田 志野" userId="S::sh-harada@cresco.co.jp::9793beb5-b098-4905-a0df-fbd877f0de89" providerId="AD" clId="Web-{82512F0A-FF76-461A-9394-CB63C7299E4D}" dt="2020-06-12T01:15:07.927" v="37" actId="20577"/>
-      <pc:docMkLst>
-        <pc:docMk/>
-      </pc:docMkLst>
-      <pc:sldChg chg="modSp">
-        <pc:chgData name="SEC 原田 志野" userId="S::sh-harada@cresco.co.jp::9793beb5-b098-4905-a0df-fbd877f0de89" providerId="AD" clId="Web-{82512F0A-FF76-461A-9394-CB63C7299E4D}" dt="2020-06-12T01:00:53.794" v="8" actId="20577"/>
-        <pc:sldMkLst>
-          <pc:docMk/>
-          <pc:sldMk cId="2720144277" sldId="259"/>
-        </pc:sldMkLst>
-        <pc:spChg chg="mod">
-          <ac:chgData name="SEC 原田 志野" userId="S::sh-harada@cresco.co.jp::9793beb5-b098-4905-a0df-fbd877f0de89" providerId="AD" clId="Web-{82512F0A-FF76-461A-9394-CB63C7299E4D}" dt="2020-06-12T01:00:53.794" v="8" actId="20577"/>
-          <ac:spMkLst>
-            <pc:docMk/>
-            <pc:sldMk cId="2720144277" sldId="259"/>
-            <ac:spMk id="3" creationId="{4D83437A-E78C-DA42-9546-69698A31226E}"/>
-          </ac:spMkLst>
-        </pc:spChg>
-      </pc:sldChg>
-      <pc:sldChg chg="modSp">
-        <pc:chgData name="SEC 原田 志野" userId="S::sh-harada@cresco.co.jp::9793beb5-b098-4905-a0df-fbd877f0de89" providerId="AD" clId="Web-{82512F0A-FF76-461A-9394-CB63C7299E4D}" dt="2020-06-12T01:15:07.927" v="37" actId="20577"/>
-        <pc:sldMkLst>
-          <pc:docMk/>
-          <pc:sldMk cId="1990333101" sldId="262"/>
-        </pc:sldMkLst>
-        <pc:spChg chg="mod">
-          <ac:chgData name="SEC 原田 志野" userId="S::sh-harada@cresco.co.jp::9793beb5-b098-4905-a0df-fbd877f0de89" providerId="AD" clId="Web-{82512F0A-FF76-461A-9394-CB63C7299E4D}" dt="2020-06-12T01:15:07.927" v="37" actId="20577"/>
-          <ac:spMkLst>
-            <pc:docMk/>
-            <pc:sldMk cId="1990333101" sldId="262"/>
-            <ac:spMk id="3" creationId="{E834E308-3297-634D-91FC-A5D1565F7781}"/>
-          </ac:spMkLst>
-        </pc:spChg>
-      </pc:sldChg>
-    </pc:docChg>
-  </pc:docChgLst>
-  <pc:docChgLst>
     <pc:chgData name="SEC 太田 まつり" userId="S::m-ota@cresco.co.jp::da106a94-1b16-4c03-a74c-8cfcd08e5b65" providerId="AD" clId="Web-{825F10ED-5ADE-450B-A8A2-A88F84477300}"/>
     <pc:docChg chg="modSld">
       <pc:chgData name="SEC 太田 まつり" userId="S::m-ota@cresco.co.jp::da106a94-1b16-4c03-a74c-8cfcd08e5b65" providerId="AD" clId="Web-{825F10ED-5ADE-450B-A8A2-A88F84477300}" dt="2020-06-12T03:33:54.093" v="29" actId="20577"/>
@@ -592,6 +553,45 @@
       </pc:sldChg>
     </pc:docChg>
   </pc:docChgLst>
+  <pc:docChgLst>
+    <pc:chgData name="SEC 原田 志野" userId="S::sh-harada@cresco.co.jp::9793beb5-b098-4905-a0df-fbd877f0de89" providerId="AD" clId="Web-{82512F0A-FF76-461A-9394-CB63C7299E4D}"/>
+    <pc:docChg chg="modSld">
+      <pc:chgData name="SEC 原田 志野" userId="S::sh-harada@cresco.co.jp::9793beb5-b098-4905-a0df-fbd877f0de89" providerId="AD" clId="Web-{82512F0A-FF76-461A-9394-CB63C7299E4D}" dt="2020-06-12T01:15:07.927" v="37" actId="20577"/>
+      <pc:docMkLst>
+        <pc:docMk/>
+      </pc:docMkLst>
+      <pc:sldChg chg="modSp">
+        <pc:chgData name="SEC 原田 志野" userId="S::sh-harada@cresco.co.jp::9793beb5-b098-4905-a0df-fbd877f0de89" providerId="AD" clId="Web-{82512F0A-FF76-461A-9394-CB63C7299E4D}" dt="2020-06-12T01:00:53.794" v="8" actId="20577"/>
+        <pc:sldMkLst>
+          <pc:docMk/>
+          <pc:sldMk cId="2720144277" sldId="259"/>
+        </pc:sldMkLst>
+        <pc:spChg chg="mod">
+          <ac:chgData name="SEC 原田 志野" userId="S::sh-harada@cresco.co.jp::9793beb5-b098-4905-a0df-fbd877f0de89" providerId="AD" clId="Web-{82512F0A-FF76-461A-9394-CB63C7299E4D}" dt="2020-06-12T01:00:53.794" v="8" actId="20577"/>
+          <ac:spMkLst>
+            <pc:docMk/>
+            <pc:sldMk cId="2720144277" sldId="259"/>
+            <ac:spMk id="3" creationId="{4D83437A-E78C-DA42-9546-69698A31226E}"/>
+          </ac:spMkLst>
+        </pc:spChg>
+      </pc:sldChg>
+      <pc:sldChg chg="modSp">
+        <pc:chgData name="SEC 原田 志野" userId="S::sh-harada@cresco.co.jp::9793beb5-b098-4905-a0df-fbd877f0de89" providerId="AD" clId="Web-{82512F0A-FF76-461A-9394-CB63C7299E4D}" dt="2020-06-12T01:15:07.927" v="37" actId="20577"/>
+        <pc:sldMkLst>
+          <pc:docMk/>
+          <pc:sldMk cId="1990333101" sldId="262"/>
+        </pc:sldMkLst>
+        <pc:spChg chg="mod">
+          <ac:chgData name="SEC 原田 志野" userId="S::sh-harada@cresco.co.jp::9793beb5-b098-4905-a0df-fbd877f0de89" providerId="AD" clId="Web-{82512F0A-FF76-461A-9394-CB63C7299E4D}" dt="2020-06-12T01:15:07.927" v="37" actId="20577"/>
+          <ac:spMkLst>
+            <pc:docMk/>
+            <pc:sldMk cId="1990333101" sldId="262"/>
+            <ac:spMk id="3" creationId="{E834E308-3297-634D-91FC-A5D1565F7781}"/>
+          </ac:spMkLst>
+        </pc:spChg>
+      </pc:sldChg>
+    </pc:docChg>
+  </pc:docChgLst>
 </pc:chgInfo>
 </file>
 
@@ -742,7 +742,7 @@
           <a:p>
             <a:fld id="{F77F4CF3-F62C-5D43-9B76-FF2008324973}" type="datetimeFigureOut">
               <a:rPr kumimoji="1" lang="en-US" altLang="ja-JP" smtClean="0"/>
-              <a:t>6/14/2020</a:t>
+              <a:t>6/15/2020</a:t>
             </a:fld>
             <a:endParaRPr kumimoji="1" lang="ja-JP" altLang="en-US"/>
           </a:p>
@@ -972,7 +972,7 @@
           <a:p>
             <a:fld id="{F77F4CF3-F62C-5D43-9B76-FF2008324973}" type="datetimeFigureOut">
               <a:rPr kumimoji="1" lang="en-US" altLang="ja-JP" smtClean="0"/>
-              <a:t>6/14/2020</a:t>
+              <a:t>6/15/2020</a:t>
             </a:fld>
             <a:endParaRPr kumimoji="1" lang="ja-JP" altLang="en-US"/>
           </a:p>
@@ -1212,7 +1212,7 @@
           <a:p>
             <a:fld id="{F77F4CF3-F62C-5D43-9B76-FF2008324973}" type="datetimeFigureOut">
               <a:rPr kumimoji="1" lang="en-US" altLang="ja-JP" smtClean="0"/>
-              <a:t>6/14/2020</a:t>
+              <a:t>6/15/2020</a:t>
             </a:fld>
             <a:endParaRPr kumimoji="1" lang="ja-JP" altLang="en-US"/>
           </a:p>
@@ -1442,7 +1442,7 @@
           <a:p>
             <a:fld id="{F77F4CF3-F62C-5D43-9B76-FF2008324973}" type="datetimeFigureOut">
               <a:rPr kumimoji="1" lang="en-US" altLang="ja-JP" smtClean="0"/>
-              <a:t>6/14/2020</a:t>
+              <a:t>6/15/2020</a:t>
             </a:fld>
             <a:endParaRPr kumimoji="1" lang="ja-JP" altLang="en-US"/>
           </a:p>
@@ -1717,7 +1717,7 @@
           <a:p>
             <a:fld id="{F77F4CF3-F62C-5D43-9B76-FF2008324973}" type="datetimeFigureOut">
               <a:rPr kumimoji="1" lang="en-US" altLang="ja-JP" smtClean="0"/>
-              <a:t>6/14/2020</a:t>
+              <a:t>6/15/2020</a:t>
             </a:fld>
             <a:endParaRPr kumimoji="1" lang="ja-JP" altLang="en-US"/>
           </a:p>
@@ -2046,7 +2046,7 @@
           <a:p>
             <a:fld id="{F77F4CF3-F62C-5D43-9B76-FF2008324973}" type="datetimeFigureOut">
               <a:rPr kumimoji="1" lang="en-US" altLang="ja-JP" smtClean="0"/>
-              <a:t>6/14/2020</a:t>
+              <a:t>6/15/2020</a:t>
             </a:fld>
             <a:endParaRPr kumimoji="1" lang="ja-JP" altLang="en-US"/>
           </a:p>
@@ -2522,7 +2522,7 @@
           <a:p>
             <a:fld id="{F77F4CF3-F62C-5D43-9B76-FF2008324973}" type="datetimeFigureOut">
               <a:rPr kumimoji="1" lang="en-US" altLang="ja-JP" smtClean="0"/>
-              <a:t>6/14/2020</a:t>
+              <a:t>6/15/2020</a:t>
             </a:fld>
             <a:endParaRPr kumimoji="1" lang="ja-JP" altLang="en-US"/>
           </a:p>
@@ -2663,7 +2663,7 @@
           <a:p>
             <a:fld id="{F77F4CF3-F62C-5D43-9B76-FF2008324973}" type="datetimeFigureOut">
               <a:rPr kumimoji="1" lang="en-US" altLang="ja-JP" smtClean="0"/>
-              <a:t>6/14/2020</a:t>
+              <a:t>6/15/2020</a:t>
             </a:fld>
             <a:endParaRPr kumimoji="1" lang="ja-JP" altLang="en-US"/>
           </a:p>
@@ -2776,7 +2776,7 @@
           <a:p>
             <a:fld id="{F77F4CF3-F62C-5D43-9B76-FF2008324973}" type="datetimeFigureOut">
               <a:rPr kumimoji="1" lang="en-US" altLang="ja-JP" smtClean="0"/>
-              <a:t>6/14/2020</a:t>
+              <a:t>6/15/2020</a:t>
             </a:fld>
             <a:endParaRPr kumimoji="1" lang="ja-JP" altLang="en-US"/>
           </a:p>
@@ -3119,7 +3119,7 @@
           <a:p>
             <a:fld id="{F77F4CF3-F62C-5D43-9B76-FF2008324973}" type="datetimeFigureOut">
               <a:rPr kumimoji="1" lang="en-US" altLang="ja-JP" smtClean="0"/>
-              <a:t>6/14/2020</a:t>
+              <a:t>6/15/2020</a:t>
             </a:fld>
             <a:endParaRPr kumimoji="1" lang="ja-JP" altLang="en-US"/>
           </a:p>
@@ -3407,7 +3407,7 @@
           <a:p>
             <a:fld id="{F77F4CF3-F62C-5D43-9B76-FF2008324973}" type="datetimeFigureOut">
               <a:rPr kumimoji="1" lang="en-US" altLang="ja-JP" smtClean="0"/>
-              <a:t>6/14/2020</a:t>
+              <a:t>6/15/2020</a:t>
             </a:fld>
             <a:endParaRPr kumimoji="1" lang="ja-JP" altLang="en-US"/>
           </a:p>
@@ -3680,7 +3680,7 @@
           <a:p>
             <a:fld id="{F77F4CF3-F62C-5D43-9B76-FF2008324973}" type="datetimeFigureOut">
               <a:rPr kumimoji="1" lang="en-US" altLang="ja-JP" smtClean="0"/>
-              <a:t>6/14/2020</a:t>
+              <a:t>6/15/2020</a:t>
             </a:fld>
             <a:endParaRPr kumimoji="1" lang="ja-JP" altLang="en-US"/>
           </a:p>
@@ -4889,7 +4889,7 @@
             <a:pPr marL="0" indent="0">
               <a:buNone/>
             </a:pPr>
-            <a:endParaRPr lang="ja-JP" altLang="en-US">
+            <a:endParaRPr lang="ja-JP" altLang="en-US" dirty="0">
               <a:ea typeface="游ゴシック"/>
             </a:endParaRPr>
           </a:p>
@@ -4897,7 +4897,7 @@
             <a:pPr marL="0" indent="0">
               <a:buNone/>
             </a:pPr>
-            <a:endParaRPr lang="ja-JP" altLang="en-US">
+            <a:endParaRPr lang="ja-JP" altLang="en-US" dirty="0">
               <a:ea typeface="游ゴシック"/>
             </a:endParaRPr>
           </a:p>
@@ -4906,17 +4906,17 @@
               <a:buNone/>
             </a:pPr>
             <a:r>
-              <a:rPr lang="ja-JP" altLang="en-US">
-                <a:ea typeface="游ゴシック"/>
-              </a:rPr>
-              <a:t>0.0秒～4.0秒　  　So fast!! </a:t>
+              <a:rPr lang="ja-JP" altLang="en-US" dirty="0">
+                <a:ea typeface="游ゴシック"/>
+              </a:rPr>
+              <a:t>0.0秒～4.0秒未満　  　　　So fast!! </a:t>
             </a:r>
           </a:p>
           <a:p>
             <a:pPr marL="0" indent="0">
               <a:buNone/>
             </a:pPr>
-            <a:endParaRPr lang="ja-JP" altLang="en-US">
+            <a:endParaRPr lang="ja-JP" altLang="en-US" dirty="0">
               <a:ea typeface="游ゴシック"/>
             </a:endParaRPr>
           </a:p>
@@ -4925,17 +4925,17 @@
               <a:buNone/>
             </a:pPr>
             <a:r>
-              <a:rPr lang="ja-JP" altLang="en-US">
-                <a:ea typeface="游ゴシック"/>
-              </a:rPr>
-              <a:t>4.0秒～6.5秒　  　Great</a:t>
+              <a:rPr lang="ja-JP" altLang="en-US" dirty="0">
+                <a:ea typeface="游ゴシック"/>
+              </a:rPr>
+              <a:t>4.0秒以上～6.5秒未満　  　Great</a:t>
             </a:r>
           </a:p>
           <a:p>
             <a:pPr marL="0" indent="0">
               <a:buNone/>
             </a:pPr>
-            <a:endParaRPr lang="ja-JP" altLang="en-US">
+            <a:endParaRPr lang="ja-JP" altLang="en-US" dirty="0">
               <a:ea typeface="游ゴシック"/>
             </a:endParaRPr>
           </a:p>
@@ -4944,10 +4944,10 @@
               <a:buNone/>
             </a:pPr>
             <a:r>
-              <a:rPr lang="ja-JP" altLang="en-US">
-                <a:ea typeface="游ゴシック"/>
-              </a:rPr>
-              <a:t>6.5秒～　　　   　Osonai?????</a:t>
+              <a:rPr lang="ja-JP" altLang="en-US" dirty="0">
+                <a:ea typeface="游ゴシック"/>
+              </a:rPr>
+              <a:t>6.5秒～　　　   　　　　　Osonai?????</a:t>
             </a:r>
           </a:p>
         </p:txBody>
@@ -5791,18 +5791,18 @@
 </file>
 
 <file path=customXml/item1.xml><?xml version="1.0" encoding="utf-8"?>
-<p:properties xmlns:p="http://schemas.microsoft.com/office/2006/metadata/properties" xmlns:xsi="http://www.w3.org/2001/XMLSchema-instance" xmlns:pc="http://schemas.microsoft.com/office/infopath/2007/PartnerControls">
-  <documentManagement/>
-</p:properties>
-</file>
-
-<file path=customXml/item2.xml><?xml version="1.0" encoding="utf-8"?>
 <?mso-contentType ?>
 <FormTemplates xmlns="http://schemas.microsoft.com/sharepoint/v3/contenttype/forms">
   <Display>DocumentLibraryForm</Display>
   <Edit>DocumentLibraryForm</Edit>
   <New>DocumentLibraryForm</New>
 </FormTemplates>
+</file>
+
+<file path=customXml/item2.xml><?xml version="1.0" encoding="utf-8"?>
+<p:properties xmlns:p="http://schemas.microsoft.com/office/2006/metadata/properties" xmlns:xsi="http://www.w3.org/2001/XMLSchema-instance" xmlns:pc="http://schemas.microsoft.com/office/infopath/2007/PartnerControls">
+  <documentManagement/>
+</p:properties>
 </file>
 
 <file path=customXml/item3.xml><?xml version="1.0" encoding="utf-8"?>
@@ -5990,18 +5990,18 @@
 </file>
 
 <file path=customXml/itemProps1.xml><?xml version="1.0" encoding="utf-8"?>
-<ds:datastoreItem xmlns:ds="http://schemas.openxmlformats.org/officeDocument/2006/customXml" ds:itemID="{9EE99844-24AD-4998-B60D-A16DFE9B798B}">
+<ds:datastoreItem xmlns:ds="http://schemas.openxmlformats.org/officeDocument/2006/customXml" ds:itemID="{77784EB6-F804-4663-BA04-DF82E807E10D}">
   <ds:schemaRefs>
-    <ds:schemaRef ds:uri="http://schemas.microsoft.com/office/2006/metadata/properties"/>
-    <ds:schemaRef ds:uri="http://schemas.microsoft.com/office/infopath/2007/PartnerControls"/>
+    <ds:schemaRef ds:uri="http://schemas.microsoft.com/sharepoint/v3/contenttype/forms"/>
   </ds:schemaRefs>
 </ds:datastoreItem>
 </file>
 
 <file path=customXml/itemProps2.xml><?xml version="1.0" encoding="utf-8"?>
-<ds:datastoreItem xmlns:ds="http://schemas.openxmlformats.org/officeDocument/2006/customXml" ds:itemID="{77784EB6-F804-4663-BA04-DF82E807E10D}">
+<ds:datastoreItem xmlns:ds="http://schemas.openxmlformats.org/officeDocument/2006/customXml" ds:itemID="{9EE99844-24AD-4998-B60D-A16DFE9B798B}">
   <ds:schemaRefs>
-    <ds:schemaRef ds:uri="http://schemas.microsoft.com/sharepoint/v3/contenttype/forms"/>
+    <ds:schemaRef ds:uri="http://schemas.microsoft.com/office/2006/metadata/properties"/>
+    <ds:schemaRef ds:uri="http://schemas.microsoft.com/office/infopath/2007/PartnerControls"/>
   </ds:schemaRefs>
 </ds:datastoreItem>
 </file>
